--- a/presentation.pptx
+++ b/presentation.pptx
@@ -2886,7 +2886,7 @@
           <a:p>
             <a:fld id="{2EFBE280-C4DE-40A0-8DEF-818DE5B85DC9}" type="datetimeFigureOut">
               <a:rPr lang="LID4096" smtClean="0"/>
-              <a:t>07/07/2024</a:t>
+              <a:t>07/12/2024</a:t>
             </a:fld>
             <a:endParaRPr lang="LID4096"/>
           </a:p>
@@ -4206,7 +4206,7 @@
           <a:p>
             <a:fld id="{24F28681-85DA-4D20-AD28-4FFE2AFBF09A}" type="datetimeFigureOut">
               <a:rPr lang="LID4096" smtClean="0"/>
-              <a:t>07/07/2024</a:t>
+              <a:t>07/12/2024</a:t>
             </a:fld>
             <a:endParaRPr lang="LID4096"/>
           </a:p>
@@ -4406,7 +4406,7 @@
           <a:p>
             <a:fld id="{24F28681-85DA-4D20-AD28-4FFE2AFBF09A}" type="datetimeFigureOut">
               <a:rPr lang="LID4096" smtClean="0"/>
-              <a:t>07/07/2024</a:t>
+              <a:t>07/12/2024</a:t>
             </a:fld>
             <a:endParaRPr lang="LID4096"/>
           </a:p>
@@ -4616,7 +4616,7 @@
           <a:p>
             <a:fld id="{24F28681-85DA-4D20-AD28-4FFE2AFBF09A}" type="datetimeFigureOut">
               <a:rPr lang="LID4096" smtClean="0"/>
-              <a:t>07/07/2024</a:t>
+              <a:t>07/12/2024</a:t>
             </a:fld>
             <a:endParaRPr lang="LID4096"/>
           </a:p>
@@ -4816,7 +4816,7 @@
           <a:p>
             <a:fld id="{24F28681-85DA-4D20-AD28-4FFE2AFBF09A}" type="datetimeFigureOut">
               <a:rPr lang="LID4096" smtClean="0"/>
-              <a:t>07/07/2024</a:t>
+              <a:t>07/12/2024</a:t>
             </a:fld>
             <a:endParaRPr lang="LID4096"/>
           </a:p>
@@ -5092,7 +5092,7 @@
           <a:p>
             <a:fld id="{24F28681-85DA-4D20-AD28-4FFE2AFBF09A}" type="datetimeFigureOut">
               <a:rPr lang="LID4096" smtClean="0"/>
-              <a:t>07/07/2024</a:t>
+              <a:t>07/12/2024</a:t>
             </a:fld>
             <a:endParaRPr lang="LID4096"/>
           </a:p>
@@ -5360,7 +5360,7 @@
           <a:p>
             <a:fld id="{24F28681-85DA-4D20-AD28-4FFE2AFBF09A}" type="datetimeFigureOut">
               <a:rPr lang="LID4096" smtClean="0"/>
-              <a:t>07/07/2024</a:t>
+              <a:t>07/12/2024</a:t>
             </a:fld>
             <a:endParaRPr lang="LID4096"/>
           </a:p>
@@ -5775,7 +5775,7 @@
           <a:p>
             <a:fld id="{24F28681-85DA-4D20-AD28-4FFE2AFBF09A}" type="datetimeFigureOut">
               <a:rPr lang="LID4096" smtClean="0"/>
-              <a:t>07/07/2024</a:t>
+              <a:t>07/12/2024</a:t>
             </a:fld>
             <a:endParaRPr lang="LID4096"/>
           </a:p>
@@ -5917,7 +5917,7 @@
           <a:p>
             <a:fld id="{24F28681-85DA-4D20-AD28-4FFE2AFBF09A}" type="datetimeFigureOut">
               <a:rPr lang="LID4096" smtClean="0"/>
-              <a:t>07/07/2024</a:t>
+              <a:t>07/12/2024</a:t>
             </a:fld>
             <a:endParaRPr lang="LID4096"/>
           </a:p>
@@ -6030,7 +6030,7 @@
           <a:p>
             <a:fld id="{24F28681-85DA-4D20-AD28-4FFE2AFBF09A}" type="datetimeFigureOut">
               <a:rPr lang="LID4096" smtClean="0"/>
-              <a:t>07/07/2024</a:t>
+              <a:t>07/12/2024</a:t>
             </a:fld>
             <a:endParaRPr lang="LID4096"/>
           </a:p>
@@ -6343,7 +6343,7 @@
           <a:p>
             <a:fld id="{24F28681-85DA-4D20-AD28-4FFE2AFBF09A}" type="datetimeFigureOut">
               <a:rPr lang="LID4096" smtClean="0"/>
-              <a:t>07/07/2024</a:t>
+              <a:t>07/12/2024</a:t>
             </a:fld>
             <a:endParaRPr lang="LID4096"/>
           </a:p>
@@ -6632,7 +6632,7 @@
           <a:p>
             <a:fld id="{24F28681-85DA-4D20-AD28-4FFE2AFBF09A}" type="datetimeFigureOut">
               <a:rPr lang="LID4096" smtClean="0"/>
-              <a:t>07/07/2024</a:t>
+              <a:t>07/12/2024</a:t>
             </a:fld>
             <a:endParaRPr lang="LID4096"/>
           </a:p>
@@ -6875,7 +6875,7 @@
           <a:p>
             <a:fld id="{24F28681-85DA-4D20-AD28-4FFE2AFBF09A}" type="datetimeFigureOut">
               <a:rPr lang="LID4096" smtClean="0"/>
-              <a:t>07/07/2024</a:t>
+              <a:t>07/12/2024</a:t>
             </a:fld>
             <a:endParaRPr lang="LID4096"/>
           </a:p>
@@ -25885,40 +25885,17 @@
               <a:t>Link to it can be found </a:t>
             </a:r>
             <a:r>
-              <a:rPr lang="en-US" sz="2400" dirty="0">
+              <a:rPr lang="en-US" sz="2400" b="1" dirty="0">
                 <a:solidFill>
                   <a:schemeClr val="accent1"/>
                 </a:solidFill>
+                <a:hlinkClick r:id="rId3"/>
               </a:rPr>
               <a:t>here</a:t>
             </a:r>
             <a:r>
-              <a:rPr lang="en-US" sz="2400" dirty="0"/>
-              <a:t> </a:t>
-            </a:r>
-            <a:r>
-              <a:rPr lang="en-US" sz="2000" dirty="0">
-                <a:highlight>
-                  <a:srgbClr val="FFFF00"/>
-                </a:highlight>
-              </a:rPr>
-              <a:t>&lt;</a:t>
-            </a:r>
-            <a:r>
-              <a:rPr lang="en-US" sz="2000" dirty="0" err="1">
-                <a:highlight>
-                  <a:srgbClr val="FFFF00"/>
-                </a:highlight>
-              </a:rPr>
-              <a:t>todo</a:t>
-            </a:r>
-            <a:r>
-              <a:rPr lang="en-US" sz="2000" dirty="0">
-                <a:highlight>
-                  <a:srgbClr val="FFFF00"/>
-                </a:highlight>
-              </a:rPr>
-              <a:t> after decide were to publish&gt;.</a:t>
+              <a:rPr lang="en-US" sz="2400" b="1" dirty="0"/>
+              <a:t>.</a:t>
             </a:r>
             <a:br>
               <a:rPr lang="en-US" sz="2400" dirty="0"/>
@@ -25942,7 +25919,7 @@
           <p:nvPr/>
         </p:nvPicPr>
         <p:blipFill>
-          <a:blip r:embed="rId3"/>
+          <a:blip r:embed="rId4"/>
           <a:stretch>
             <a:fillRect/>
           </a:stretch>
